--- a/Final_Test_조민정_2023002484.pptx
+++ b/Final_Test_조민정_2023002484.pptx
@@ -5,7 +5,7 @@
     <p:sldMasterId id="2147483648" r:id="rId1"/>
   </p:sldMasterIdLst>
   <p:notesMasterIdLst>
-    <p:notesMasterId r:id="rId10"/>
+    <p:notesMasterId r:id="rId11"/>
   </p:notesMasterIdLst>
   <p:sldIdLst>
     <p:sldId id="259" r:id="rId2"/>
@@ -15,7 +15,8 @@
     <p:sldId id="262" r:id="rId6"/>
     <p:sldId id="261" r:id="rId7"/>
     <p:sldId id="263" r:id="rId8"/>
-    <p:sldId id="257" r:id="rId9"/>
+    <p:sldId id="264" r:id="rId9"/>
+    <p:sldId id="257" r:id="rId10"/>
   </p:sldIdLst>
   <p:sldSz cx="12192000" cy="6858000"/>
   <p:notesSz cx="6858000" cy="9144000"/>
@@ -6058,6 +6059,228 @@
 </file>
 
 <file path=ppt/slides/slide8.xml><?xml version="1.0" encoding="utf-8"?>
+<p:sld xmlns:a="http://schemas.openxmlformats.org/drawingml/2006/main" xmlns:r="http://schemas.openxmlformats.org/officeDocument/2006/relationships" xmlns:p="http://schemas.openxmlformats.org/presentationml/2006/main">
+  <p:cSld>
+    <p:spTree>
+      <p:nvGrpSpPr>
+        <p:cNvPr id="1" name=""/>
+        <p:cNvGrpSpPr/>
+        <p:nvPr/>
+      </p:nvGrpSpPr>
+      <p:grpSpPr>
+        <a:xfrm>
+          <a:off x="0" y="0"/>
+          <a:ext cx="0" cy="0"/>
+          <a:chOff x="0" y="0"/>
+          <a:chExt cx="0" cy="0"/>
+        </a:xfrm>
+      </p:grpSpPr>
+      <p:sp>
+        <p:nvSpPr>
+          <p:cNvPr id="4" name="제목 1">
+            <a:extLst>
+              <a:ext uri="{FF2B5EF4-FFF2-40B4-BE49-F238E27FC236}">
+                <a16:creationId xmlns:a16="http://schemas.microsoft.com/office/drawing/2014/main" id="{FBF57672-DB09-D835-DD27-89907E9F3587}"/>
+              </a:ext>
+            </a:extLst>
+          </p:cNvPr>
+          <p:cNvSpPr>
+            <a:spLocks noGrp="1"/>
+          </p:cNvSpPr>
+          <p:nvPr>
+            <p:ph type="title"/>
+          </p:nvPr>
+        </p:nvSpPr>
+        <p:spPr>
+          <a:xfrm>
+            <a:off x="838200" y="365126"/>
+            <a:ext cx="10515600" cy="729747"/>
+          </a:xfrm>
+        </p:spPr>
+        <p:txBody>
+          <a:bodyPr>
+            <a:normAutofit/>
+          </a:bodyPr>
+          <a:lstStyle/>
+          <a:p>
+            <a:r>
+              <a:rPr lang="en-US" altLang="ko-KR" sz="4000" b="1" dirty="0"/>
+              <a:t>Source</a:t>
+            </a:r>
+            <a:endParaRPr lang="ko-KR" altLang="en-US" sz="4000" b="1" dirty="0"/>
+          </a:p>
+        </p:txBody>
+      </p:sp>
+      <p:sp>
+        <p:nvSpPr>
+          <p:cNvPr id="5" name="슬라이드 번호 개체 틀 3">
+            <a:extLst>
+              <a:ext uri="{FF2B5EF4-FFF2-40B4-BE49-F238E27FC236}">
+                <a16:creationId xmlns:a16="http://schemas.microsoft.com/office/drawing/2014/main" id="{8649B988-AC97-F1B5-6093-743B6A55070F}"/>
+              </a:ext>
+            </a:extLst>
+          </p:cNvPr>
+          <p:cNvSpPr>
+            <a:spLocks noGrp="1"/>
+          </p:cNvSpPr>
+          <p:nvPr>
+            <p:ph type="sldNum" sz="quarter" idx="12"/>
+          </p:nvPr>
+        </p:nvSpPr>
+        <p:spPr>
+          <a:xfrm>
+            <a:off x="11506200" y="6492875"/>
+            <a:ext cx="685800" cy="365125"/>
+          </a:xfrm>
+          <a:solidFill>
+            <a:schemeClr val="bg1">
+              <a:alpha val="1000"/>
+            </a:schemeClr>
+          </a:solidFill>
+        </p:spPr>
+        <p:txBody>
+          <a:bodyPr/>
+          <a:lstStyle/>
+          <a:p>
+            <a:fld id="{6969AC63-7E46-4CFD-8D82-4057A55D266F}" type="slidenum">
+              <a:rPr lang="ko-KR" altLang="en-US" smtClean="0"/>
+              <a:t>8</a:t>
+            </a:fld>
+            <a:endParaRPr lang="ko-KR" altLang="en-US" dirty="0"/>
+          </a:p>
+        </p:txBody>
+      </p:sp>
+      <p:sp>
+        <p:nvSpPr>
+          <p:cNvPr id="18" name="직사각형 17">
+            <a:extLst>
+              <a:ext uri="{FF2B5EF4-FFF2-40B4-BE49-F238E27FC236}">
+                <a16:creationId xmlns:a16="http://schemas.microsoft.com/office/drawing/2014/main" id="{C150AFF5-E7F8-68DE-8751-E9FA6C1912D9}"/>
+              </a:ext>
+            </a:extLst>
+          </p:cNvPr>
+          <p:cNvSpPr/>
+          <p:nvPr/>
+        </p:nvSpPr>
+        <p:spPr>
+          <a:xfrm>
+            <a:off x="336000" y="1008842"/>
+            <a:ext cx="11520000" cy="36000"/>
+          </a:xfrm>
+          <a:prstGeom prst="rect">
+            <a:avLst/>
+          </a:prstGeom>
+          <a:ln>
+            <a:noFill/>
+          </a:ln>
+        </p:spPr>
+        <p:style>
+          <a:lnRef idx="2">
+            <a:schemeClr val="dk1">
+              <a:shade val="50000"/>
+            </a:schemeClr>
+          </a:lnRef>
+          <a:fillRef idx="1">
+            <a:schemeClr val="dk1"/>
+          </a:fillRef>
+          <a:effectRef idx="0">
+            <a:schemeClr val="dk1"/>
+          </a:effectRef>
+          <a:fontRef idx="minor">
+            <a:schemeClr val="lt1"/>
+          </a:fontRef>
+        </p:style>
+        <p:txBody>
+          <a:bodyPr rtlCol="0" anchor="ctr"/>
+          <a:lstStyle/>
+          <a:p>
+            <a:pPr algn="ctr"/>
+            <a:endParaRPr lang="ko-KR" altLang="en-US"/>
+          </a:p>
+        </p:txBody>
+      </p:sp>
+      <p:sp>
+        <p:nvSpPr>
+          <p:cNvPr id="6" name="직사각형 5">
+            <a:extLst>
+              <a:ext uri="{FF2B5EF4-FFF2-40B4-BE49-F238E27FC236}">
+                <a16:creationId xmlns:a16="http://schemas.microsoft.com/office/drawing/2014/main" id="{BF133016-6C71-4D5B-FFAA-183928D7DD09}"/>
+              </a:ext>
+            </a:extLst>
+          </p:cNvPr>
+          <p:cNvSpPr/>
+          <p:nvPr/>
+        </p:nvSpPr>
+        <p:spPr>
+          <a:xfrm>
+            <a:off x="838200" y="1321742"/>
+            <a:ext cx="10515600" cy="772967"/>
+          </a:xfrm>
+          <a:prstGeom prst="rect">
+            <a:avLst/>
+          </a:prstGeom>
+          <a:solidFill>
+            <a:schemeClr val="bg1"/>
+          </a:solidFill>
+          <a:ln>
+            <a:noFill/>
+          </a:ln>
+        </p:spPr>
+        <p:style>
+          <a:lnRef idx="2">
+            <a:schemeClr val="accent1">
+              <a:shade val="50000"/>
+            </a:schemeClr>
+          </a:lnRef>
+          <a:fillRef idx="1">
+            <a:schemeClr val="accent1"/>
+          </a:fillRef>
+          <a:effectRef idx="0">
+            <a:schemeClr val="accent1"/>
+          </a:effectRef>
+          <a:fontRef idx="minor">
+            <a:schemeClr val="lt1"/>
+          </a:fontRef>
+        </p:style>
+        <p:txBody>
+          <a:bodyPr rtlCol="0" anchor="ctr"/>
+          <a:lstStyle/>
+          <a:p>
+            <a:pPr>
+              <a:lnSpc>
+                <a:spcPct val="150000"/>
+              </a:lnSpc>
+            </a:pPr>
+            <a:r>
+              <a:rPr lang="en-US" altLang="ko-KR" sz="2000" b="1" dirty="0">
+                <a:solidFill>
+                  <a:schemeClr val="tx1"/>
+                </a:solidFill>
+              </a:rPr>
+              <a:t>https://github.com/MJung-Jo/Learning-Fuzzing/tree/main</a:t>
+            </a:r>
+            <a:endParaRPr lang="en-US" altLang="ko-KR" sz="2000" b="1" i="1" dirty="0">
+              <a:solidFill>
+                <a:schemeClr val="tx1"/>
+              </a:solidFill>
+            </a:endParaRPr>
+          </a:p>
+        </p:txBody>
+      </p:sp>
+    </p:spTree>
+    <p:extLst>
+      <p:ext uri="{BB962C8B-B14F-4D97-AF65-F5344CB8AC3E}">
+        <p14:creationId xmlns:p14="http://schemas.microsoft.com/office/powerpoint/2010/main" val="1618329245"/>
+      </p:ext>
+    </p:extLst>
+  </p:cSld>
+  <p:clrMapOvr>
+    <a:masterClrMapping/>
+  </p:clrMapOvr>
+</p:sld>
+</file>
+
+<file path=ppt/slides/slide9.xml><?xml version="1.0" encoding="utf-8"?>
 <p:sld xmlns:a="http://schemas.openxmlformats.org/drawingml/2006/main" xmlns:r="http://schemas.openxmlformats.org/officeDocument/2006/relationships" xmlns:p="http://schemas.openxmlformats.org/presentationml/2006/main">
   <p:cSld>
     <p:spTree>
